--- a/CStudySession.pptx
+++ b/CStudySession.pptx
@@ -8429,7 +8429,7 @@
             <a:tbl>
               <a:tblPr>
                 <a:noFill/>
-                <a:tableStyleId>{6111CBAF-DB07-41D0-B05E-A33CBBC3748D}</a:tableStyleId>
+                <a:tableStyleId>{F44BCF32-815E-4A71-BB0D-8DF58D9EC61E}</a:tableStyleId>
               </a:tblPr>
               <a:tblGrid>
                 <a:gridCol w="436650"/>
@@ -13094,46 +13094,9 @@
           </a:bodyPr>
           <a:lstStyle/>
           <a:p>
-            <a:pPr indent="0" lvl="0" marL="0" rtl="0" algn="l">
-              <a:spcBef>
-                <a:spcPts val="0"/>
-              </a:spcBef>
-              <a:spcAft>
-                <a:spcPts val="0"/>
-              </a:spcAft>
-              <a:buNone/>
-            </a:pPr>
-            <a:r>
-              <a:rPr lang="en" sz="2200"/>
-              <a:t>Ref. :</a:t>
-            </a:r>
-            <a:endParaRPr sz="2200"/>
-          </a:p>
-          <a:p>
-            <a:pPr indent="0" lvl="0" marL="0" rtl="0" algn="l">
-              <a:spcBef>
-                <a:spcPts val="1600"/>
-              </a:spcBef>
-              <a:spcAft>
-                <a:spcPts val="0"/>
-              </a:spcAft>
-              <a:buNone/>
-            </a:pPr>
-            <a:r>
-              <a:rPr lang="en" sz="2200" u="sng">
-                <a:solidFill>
-                  <a:schemeClr val="hlink"/>
-                </a:solidFill>
-                <a:hlinkClick r:id="rId3"/>
-              </a:rPr>
-              <a:t>http://lyncs.hateblo.jp//2018/03/11/032127</a:t>
-            </a:r>
-            <a:endParaRPr sz="2200"/>
-          </a:p>
-          <a:p>
             <a:pPr indent="-368300" lvl="0" marL="457200" rtl="0" algn="l">
               <a:spcBef>
-                <a:spcPts val="1600"/>
+                <a:spcPts val="0"/>
               </a:spcBef>
               <a:spcAft>
                 <a:spcPts val="0"/>
